--- a/CS-6850 Final.pptx
+++ b/CS-6850 Final.pptx
@@ -121,6 +121,11 @@
       </a:defRPr>
     </a:lvl9pPr>
   </p:defaultTextStyle>
+  <p:extLst>
+    <p:ext uri="{EFAFB233-063F-42B5-8137-9DF3F51BA10A}">
+      <p15:sldGuideLst xmlns:p15="http://schemas.microsoft.com/office/powerpoint/2012/main"/>
+    </p:ext>
+  </p:extLst>
 </p:presentation>
 </file>
 
@@ -7093,6 +7098,15 @@
               <a:buChar char="•"/>
             </a:pPr>
             <a:r>
+              <a:rPr lang="en-US" dirty="0">
+                <a:solidFill>
+                  <a:srgbClr val="374151"/>
+                </a:solidFill>
+                <a:latin typeface="Söhne"/>
+              </a:rPr>
+              <a:t>S</a:t>
+            </a:r>
+            <a:r>
               <a:rPr lang="en-US" b="0" i="0" dirty="0">
                 <a:solidFill>
                   <a:srgbClr val="374151"/>
@@ -7100,7 +7114,7 @@
                 <a:effectLst/>
                 <a:latin typeface="Söhne"/>
               </a:rPr>
-              <a:t>Ablation analysis, saliency maps, weights, and SHAP was performed to investigate the importance of each layer and features in the LSTM model and gain insights into the explainable AI of the model.</a:t>
+              <a:t>aliency maps, weights, and SHAP analysis was performed to investigate the importance of each layer and features in the LSTM model and gain insights into the explainable AI of the model.</a:t>
             </a:r>
           </a:p>
           <a:p>

--- a/CS-6850 Final.pptx
+++ b/CS-6850 Final.pptx
@@ -3849,7 +3849,7 @@
           <a:p>
             <a:r>
               <a:rPr lang="en-US" sz="4800" dirty="0"/>
-              <a:t>CS-6830 Final Project</a:t>
+              <a:t>CS-6850 Final Project</a:t>
             </a:r>
             <a:br>
               <a:rPr lang="en-US" dirty="0"/>
@@ -7098,15 +7098,6 @@
               <a:buChar char="•"/>
             </a:pPr>
             <a:r>
-              <a:rPr lang="en-US" dirty="0">
-                <a:solidFill>
-                  <a:srgbClr val="374151"/>
-                </a:solidFill>
-                <a:latin typeface="Söhne"/>
-              </a:rPr>
-              <a:t>S</a:t>
-            </a:r>
-            <a:r>
               <a:rPr lang="en-US" b="0" i="0" dirty="0">
                 <a:solidFill>
                   <a:srgbClr val="374151"/>
@@ -7114,7 +7105,7 @@
                 <a:effectLst/>
                 <a:latin typeface="Söhne"/>
               </a:rPr>
-              <a:t>aliency maps, weights, and SHAP analysis was performed to investigate the importance of each layer and features in the LSTM model and gain insights into the explainable AI of the model.</a:t>
+              <a:t>Saliency maps, weights, and SHAP analysis was performed to investigate the importance of each layer and features in the LSTM model and gain insights into the explainable AI of the model.</a:t>
             </a:r>
           </a:p>
           <a:p>
